--- a/Проект-Волчья_библиотека/description(Презентация + Пояснительная записка)/Волчья библиотека.pptx
+++ b/Проект-Волчья_библиотека/description(Презентация + Пояснительная записка)/Волчья библиотека.pptx
@@ -12,18 +12,12 @@
     <p:sldId id="260" r:id="rId6"/>
     <p:sldId id="261" r:id="rId7"/>
     <p:sldId id="262" r:id="rId8"/>
-    <p:sldId id="263" r:id="rId9"/>
-    <p:sldId id="264" r:id="rId10"/>
-    <p:sldId id="265" r:id="rId11"/>
-    <p:sldId id="266" r:id="rId12"/>
-    <p:sldId id="267" r:id="rId13"/>
-    <p:sldId id="273" r:id="rId14"/>
-    <p:sldId id="268" r:id="rId15"/>
-    <p:sldId id="269" r:id="rId16"/>
-    <p:sldId id="270" r:id="rId17"/>
-    <p:sldId id="271" r:id="rId18"/>
-    <p:sldId id="272" r:id="rId19"/>
-    <p:sldId id="274" r:id="rId20"/>
+    <p:sldId id="275" r:id="rId9"/>
+    <p:sldId id="276" r:id="rId10"/>
+    <p:sldId id="277" r:id="rId11"/>
+    <p:sldId id="264" r:id="rId12"/>
+    <p:sldId id="272" r:id="rId13"/>
+    <p:sldId id="274" r:id="rId14"/>
   </p:sldIdLst>
   <p:sldSz cx="12192000" cy="6858000"/>
   <p:notesSz cx="6858000" cy="9144000"/>
@@ -293,6 +287,7 @@
           <a:p>
             <a:fld id="{FCE82802-31F1-479B-8F7E-2A85625D70BF}" type="datetimeFigureOut">
               <a:rPr lang="ru-RU" smtClean="0"/>
+              <a:pPr/>
               <a:t>22.04.2021</a:t>
             </a:fld>
             <a:endParaRPr lang="ru-RU"/>
@@ -355,6 +350,7 @@
           <a:p>
             <a:fld id="{D3B812F3-4CB0-4682-930A-1F211C6B1929}" type="slidenum">
               <a:rPr lang="ru-RU" smtClean="0"/>
+              <a:pPr/>
               <a:t>‹#›</a:t>
             </a:fld>
             <a:endParaRPr lang="ru-RU"/>
@@ -402,7 +398,7 @@
     </p:spTree>
     <p:extLst>
       <p:ext uri="{BB962C8B-B14F-4D97-AF65-F5344CB8AC3E}">
-        <p14:creationId xmlns:p14="http://schemas.microsoft.com/office/powerpoint/2010/main" val="1499588418"/>
+        <p14:creationId xmlns:p14="http://schemas.microsoft.com/office/powerpoint/2010/main" xmlns="" val="1499588418"/>
       </p:ext>
     </p:extLst>
   </p:cSld>
@@ -521,6 +517,7 @@
           <a:p>
             <a:fld id="{FCE82802-31F1-479B-8F7E-2A85625D70BF}" type="datetimeFigureOut">
               <a:rPr lang="ru-RU" smtClean="0"/>
+              <a:pPr/>
               <a:t>22.04.2021</a:t>
             </a:fld>
             <a:endParaRPr lang="ru-RU"/>
@@ -563,6 +560,7 @@
           <a:p>
             <a:fld id="{D3B812F3-4CB0-4682-930A-1F211C6B1929}" type="slidenum">
               <a:rPr lang="ru-RU" smtClean="0"/>
+              <a:pPr/>
               <a:t>‹#›</a:t>
             </a:fld>
             <a:endParaRPr lang="ru-RU"/>
@@ -572,7 +570,7 @@
     </p:spTree>
     <p:extLst>
       <p:ext uri="{BB962C8B-B14F-4D97-AF65-F5344CB8AC3E}">
-        <p14:creationId xmlns:p14="http://schemas.microsoft.com/office/powerpoint/2010/main" val="2510190840"/>
+        <p14:creationId xmlns:p14="http://schemas.microsoft.com/office/powerpoint/2010/main" xmlns="" val="2510190840"/>
       </p:ext>
     </p:extLst>
   </p:cSld>
@@ -701,6 +699,7 @@
           <a:p>
             <a:fld id="{FCE82802-31F1-479B-8F7E-2A85625D70BF}" type="datetimeFigureOut">
               <a:rPr lang="ru-RU" smtClean="0"/>
+              <a:pPr/>
               <a:t>22.04.2021</a:t>
             </a:fld>
             <a:endParaRPr lang="ru-RU"/>
@@ -743,6 +742,7 @@
           <a:p>
             <a:fld id="{D3B812F3-4CB0-4682-930A-1F211C6B1929}" type="slidenum">
               <a:rPr lang="ru-RU" smtClean="0"/>
+              <a:pPr/>
               <a:t>‹#›</a:t>
             </a:fld>
             <a:endParaRPr lang="ru-RU"/>
@@ -752,7 +752,7 @@
     </p:spTree>
     <p:extLst>
       <p:ext uri="{BB962C8B-B14F-4D97-AF65-F5344CB8AC3E}">
-        <p14:creationId xmlns:p14="http://schemas.microsoft.com/office/powerpoint/2010/main" val="3558994519"/>
+        <p14:creationId xmlns:p14="http://schemas.microsoft.com/office/powerpoint/2010/main" xmlns="" val="3558994519"/>
       </p:ext>
     </p:extLst>
   </p:cSld>
@@ -871,6 +871,7 @@
           <a:p>
             <a:fld id="{FCE82802-31F1-479B-8F7E-2A85625D70BF}" type="datetimeFigureOut">
               <a:rPr lang="ru-RU" smtClean="0"/>
+              <a:pPr/>
               <a:t>22.04.2021</a:t>
             </a:fld>
             <a:endParaRPr lang="ru-RU"/>
@@ -913,6 +914,7 @@
           <a:p>
             <a:fld id="{D3B812F3-4CB0-4682-930A-1F211C6B1929}" type="slidenum">
               <a:rPr lang="ru-RU" smtClean="0"/>
+              <a:pPr/>
               <a:t>‹#›</a:t>
             </a:fld>
             <a:endParaRPr lang="ru-RU"/>
@@ -922,7 +924,7 @@
     </p:spTree>
     <p:extLst>
       <p:ext uri="{BB962C8B-B14F-4D97-AF65-F5344CB8AC3E}">
-        <p14:creationId xmlns:p14="http://schemas.microsoft.com/office/powerpoint/2010/main" val="2614340885"/>
+        <p14:creationId xmlns:p14="http://schemas.microsoft.com/office/powerpoint/2010/main" xmlns="" val="2614340885"/>
       </p:ext>
     </p:extLst>
   </p:cSld>
@@ -1125,6 +1127,7 @@
           <a:p>
             <a:fld id="{FCE82802-31F1-479B-8F7E-2A85625D70BF}" type="datetimeFigureOut">
               <a:rPr lang="ru-RU" smtClean="0"/>
+              <a:pPr/>
               <a:t>22.04.2021</a:t>
             </a:fld>
             <a:endParaRPr lang="ru-RU"/>
@@ -1167,6 +1170,7 @@
           <a:p>
             <a:fld id="{D3B812F3-4CB0-4682-930A-1F211C6B1929}" type="slidenum">
               <a:rPr lang="ru-RU" smtClean="0"/>
+              <a:pPr/>
               <a:t>‹#›</a:t>
             </a:fld>
             <a:endParaRPr lang="ru-RU"/>
@@ -1214,7 +1218,7 @@
     </p:spTree>
     <p:extLst>
       <p:ext uri="{BB962C8B-B14F-4D97-AF65-F5344CB8AC3E}">
-        <p14:creationId xmlns:p14="http://schemas.microsoft.com/office/powerpoint/2010/main" val="272263389"/>
+        <p14:creationId xmlns:p14="http://schemas.microsoft.com/office/powerpoint/2010/main" xmlns="" val="272263389"/>
       </p:ext>
     </p:extLst>
   </p:cSld>
@@ -1451,6 +1455,7 @@
           <a:p>
             <a:fld id="{FCE82802-31F1-479B-8F7E-2A85625D70BF}" type="datetimeFigureOut">
               <a:rPr lang="ru-RU" smtClean="0"/>
+              <a:pPr/>
               <a:t>22.04.2021</a:t>
             </a:fld>
             <a:endParaRPr lang="ru-RU"/>
@@ -1493,6 +1498,7 @@
           <a:p>
             <a:fld id="{D3B812F3-4CB0-4682-930A-1F211C6B1929}" type="slidenum">
               <a:rPr lang="ru-RU" smtClean="0"/>
+              <a:pPr/>
               <a:t>‹#›</a:t>
             </a:fld>
             <a:endParaRPr lang="ru-RU"/>
@@ -1502,7 +1508,7 @@
     </p:spTree>
     <p:extLst>
       <p:ext uri="{BB962C8B-B14F-4D97-AF65-F5344CB8AC3E}">
-        <p14:creationId xmlns:p14="http://schemas.microsoft.com/office/powerpoint/2010/main" val="3410695956"/>
+        <p14:creationId xmlns:p14="http://schemas.microsoft.com/office/powerpoint/2010/main" xmlns="" val="3410695956"/>
       </p:ext>
     </p:extLst>
   </p:cSld>
@@ -1902,6 +1908,7 @@
           <a:p>
             <a:fld id="{FCE82802-31F1-479B-8F7E-2A85625D70BF}" type="datetimeFigureOut">
               <a:rPr lang="ru-RU" smtClean="0"/>
+              <a:pPr/>
               <a:t>22.04.2021</a:t>
             </a:fld>
             <a:endParaRPr lang="ru-RU"/>
@@ -1944,6 +1951,7 @@
           <a:p>
             <a:fld id="{D3B812F3-4CB0-4682-930A-1F211C6B1929}" type="slidenum">
               <a:rPr lang="ru-RU" smtClean="0"/>
+              <a:pPr/>
               <a:t>‹#›</a:t>
             </a:fld>
             <a:endParaRPr lang="ru-RU"/>
@@ -1953,7 +1961,7 @@
     </p:spTree>
     <p:extLst>
       <p:ext uri="{BB962C8B-B14F-4D97-AF65-F5344CB8AC3E}">
-        <p14:creationId xmlns:p14="http://schemas.microsoft.com/office/powerpoint/2010/main" val="379546841"/>
+        <p14:creationId xmlns:p14="http://schemas.microsoft.com/office/powerpoint/2010/main" xmlns="" val="379546841"/>
       </p:ext>
     </p:extLst>
   </p:cSld>
@@ -2020,6 +2028,7 @@
           <a:p>
             <a:fld id="{FCE82802-31F1-479B-8F7E-2A85625D70BF}" type="datetimeFigureOut">
               <a:rPr lang="ru-RU" smtClean="0"/>
+              <a:pPr/>
               <a:t>22.04.2021</a:t>
             </a:fld>
             <a:endParaRPr lang="ru-RU"/>
@@ -2062,6 +2071,7 @@
           <a:p>
             <a:fld id="{D3B812F3-4CB0-4682-930A-1F211C6B1929}" type="slidenum">
               <a:rPr lang="ru-RU" smtClean="0"/>
+              <a:pPr/>
               <a:t>‹#›</a:t>
             </a:fld>
             <a:endParaRPr lang="ru-RU"/>
@@ -2071,7 +2081,7 @@
     </p:spTree>
     <p:extLst>
       <p:ext uri="{BB962C8B-B14F-4D97-AF65-F5344CB8AC3E}">
-        <p14:creationId xmlns:p14="http://schemas.microsoft.com/office/powerpoint/2010/main" val="2012587305"/>
+        <p14:creationId xmlns:p14="http://schemas.microsoft.com/office/powerpoint/2010/main" xmlns="" val="2012587305"/>
       </p:ext>
     </p:extLst>
   </p:cSld>
@@ -2115,6 +2125,7 @@
           <a:p>
             <a:fld id="{FCE82802-31F1-479B-8F7E-2A85625D70BF}" type="datetimeFigureOut">
               <a:rPr lang="ru-RU" smtClean="0"/>
+              <a:pPr/>
               <a:t>22.04.2021</a:t>
             </a:fld>
             <a:endParaRPr lang="ru-RU"/>
@@ -2157,6 +2168,7 @@
           <a:p>
             <a:fld id="{D3B812F3-4CB0-4682-930A-1F211C6B1929}" type="slidenum">
               <a:rPr lang="ru-RU" smtClean="0"/>
+              <a:pPr/>
               <a:t>‹#›</a:t>
             </a:fld>
             <a:endParaRPr lang="ru-RU"/>
@@ -2166,7 +2178,7 @@
     </p:spTree>
     <p:extLst>
       <p:ext uri="{BB962C8B-B14F-4D97-AF65-F5344CB8AC3E}">
-        <p14:creationId xmlns:p14="http://schemas.microsoft.com/office/powerpoint/2010/main" val="1447968598"/>
+        <p14:creationId xmlns:p14="http://schemas.microsoft.com/office/powerpoint/2010/main" xmlns="" val="1447968598"/>
       </p:ext>
     </p:extLst>
   </p:cSld>
@@ -2402,6 +2414,7 @@
           <a:p>
             <a:fld id="{FCE82802-31F1-479B-8F7E-2A85625D70BF}" type="datetimeFigureOut">
               <a:rPr lang="ru-RU" smtClean="0"/>
+              <a:pPr/>
               <a:t>22.04.2021</a:t>
             </a:fld>
             <a:endParaRPr lang="ru-RU"/>
@@ -2444,6 +2457,7 @@
           <a:p>
             <a:fld id="{D3B812F3-4CB0-4682-930A-1F211C6B1929}" type="slidenum">
               <a:rPr lang="ru-RU" smtClean="0"/>
+              <a:pPr/>
               <a:t>‹#›</a:t>
             </a:fld>
             <a:endParaRPr lang="ru-RU"/>
@@ -2453,7 +2467,7 @@
     </p:spTree>
     <p:extLst>
       <p:ext uri="{BB962C8B-B14F-4D97-AF65-F5344CB8AC3E}">
-        <p14:creationId xmlns:p14="http://schemas.microsoft.com/office/powerpoint/2010/main" val="4289616830"/>
+        <p14:creationId xmlns:p14="http://schemas.microsoft.com/office/powerpoint/2010/main" xmlns="" val="4289616830"/>
       </p:ext>
     </p:extLst>
   </p:cSld>
@@ -2724,6 +2738,7 @@
           <a:p>
             <a:fld id="{FCE82802-31F1-479B-8F7E-2A85625D70BF}" type="datetimeFigureOut">
               <a:rPr lang="ru-RU" smtClean="0"/>
+              <a:pPr/>
               <a:t>22.04.2021</a:t>
             </a:fld>
             <a:endParaRPr lang="ru-RU"/>
@@ -2766,6 +2781,7 @@
           <a:p>
             <a:fld id="{D3B812F3-4CB0-4682-930A-1F211C6B1929}" type="slidenum">
               <a:rPr lang="ru-RU" smtClean="0"/>
+              <a:pPr/>
               <a:t>‹#›</a:t>
             </a:fld>
             <a:endParaRPr lang="ru-RU"/>
@@ -2775,7 +2791,7 @@
     </p:spTree>
     <p:extLst>
       <p:ext uri="{BB962C8B-B14F-4D97-AF65-F5344CB8AC3E}">
-        <p14:creationId xmlns:p14="http://schemas.microsoft.com/office/powerpoint/2010/main" val="195292824"/>
+        <p14:creationId xmlns:p14="http://schemas.microsoft.com/office/powerpoint/2010/main" xmlns="" val="195292824"/>
       </p:ext>
     </p:extLst>
   </p:cSld>
@@ -2978,6 +2994,7 @@
           <a:p>
             <a:fld id="{FCE82802-31F1-479B-8F7E-2A85625D70BF}" type="datetimeFigureOut">
               <a:rPr lang="ru-RU" smtClean="0"/>
+              <a:pPr/>
               <a:t>22.04.2021</a:t>
             </a:fld>
             <a:endParaRPr lang="ru-RU"/>
@@ -3060,6 +3077,7 @@
           <a:p>
             <a:fld id="{D3B812F3-4CB0-4682-930A-1F211C6B1929}" type="slidenum">
               <a:rPr lang="ru-RU" smtClean="0"/>
+              <a:pPr/>
               <a:t>‹#›</a:t>
             </a:fld>
             <a:endParaRPr lang="ru-RU"/>
@@ -3069,7 +3087,7 @@
     </p:spTree>
     <p:extLst>
       <p:ext uri="{BB962C8B-B14F-4D97-AF65-F5344CB8AC3E}">
-        <p14:creationId xmlns:p14="http://schemas.microsoft.com/office/powerpoint/2010/main" val="2167727972"/>
+        <p14:creationId xmlns:p14="http://schemas.microsoft.com/office/powerpoint/2010/main" xmlns="" val="2167727972"/>
       </p:ext>
     </p:extLst>
   </p:cSld>
@@ -3471,7 +3489,7 @@
           <p:cNvPr id="2" name="Заголовок 1">
             <a:extLst>
               <a:ext uri="{FF2B5EF4-FFF2-40B4-BE49-F238E27FC236}">
-                <a16:creationId xmlns:a16="http://schemas.microsoft.com/office/drawing/2014/main" id="{A1910821-8224-47DB-A1A2-B943524BEA41}"/>
+                <a16:creationId xmlns:a16="http://schemas.microsoft.com/office/drawing/2014/main" xmlns="" id="{A1910821-8224-47DB-A1A2-B943524BEA41}"/>
               </a:ext>
             </a:extLst>
           </p:cNvPr>
@@ -3499,7 +3517,7 @@
           <p:cNvPr id="3" name="Подзаголовок 2">
             <a:extLst>
               <a:ext uri="{FF2B5EF4-FFF2-40B4-BE49-F238E27FC236}">
-                <a16:creationId xmlns:a16="http://schemas.microsoft.com/office/drawing/2014/main" id="{A02E8063-CECB-4F40-8553-14881ADFD5CB}"/>
+                <a16:creationId xmlns:a16="http://schemas.microsoft.com/office/drawing/2014/main" xmlns="" id="{A02E8063-CECB-4F40-8553-14881ADFD5CB}"/>
               </a:ext>
             </a:extLst>
           </p:cNvPr>
@@ -3527,7 +3545,7 @@
           <p:cNvPr id="6" name="Рисунок 5">
             <a:extLst>
               <a:ext uri="{FF2B5EF4-FFF2-40B4-BE49-F238E27FC236}">
-                <a16:creationId xmlns:a16="http://schemas.microsoft.com/office/drawing/2014/main" id="{515A5E3F-AE8B-499A-A83C-E584A4701AFF}"/>
+                <a16:creationId xmlns:a16="http://schemas.microsoft.com/office/drawing/2014/main" xmlns="" id="{515A5E3F-AE8B-499A-A83C-E584A4701AFF}"/>
               </a:ext>
             </a:extLst>
           </p:cNvPr>
@@ -3537,10 +3555,10 @@
           <p:nvPr/>
         </p:nvPicPr>
         <p:blipFill>
-          <a:blip r:embed="rId2">
+          <a:blip r:embed="rId2" cstate="print">
             <a:extLst>
               <a:ext uri="{28A0092B-C50C-407E-A947-70E740481C1C}">
-                <a14:useLocalDpi xmlns:a14="http://schemas.microsoft.com/office/drawing/2010/main" val="0"/>
+                <a14:useLocalDpi xmlns:a14="http://schemas.microsoft.com/office/drawing/2010/main" xmlns="" val="0"/>
               </a:ext>
             </a:extLst>
           </a:blip>
@@ -3561,7 +3579,7 @@
     </p:spTree>
     <p:extLst>
       <p:ext uri="{BB962C8B-B14F-4D97-AF65-F5344CB8AC3E}">
-        <p14:creationId xmlns:p14="http://schemas.microsoft.com/office/powerpoint/2010/main" val="3449971361"/>
+        <p14:creationId xmlns:p14="http://schemas.microsoft.com/office/powerpoint/2010/main" xmlns="" val="3449971361"/>
       </p:ext>
     </p:extLst>
   </p:cSld>
@@ -3593,7 +3611,7 @@
           <p:cNvPr id="2" name="Заголовок 1">
             <a:extLst>
               <a:ext uri="{FF2B5EF4-FFF2-40B4-BE49-F238E27FC236}">
-                <a16:creationId xmlns:a16="http://schemas.microsoft.com/office/drawing/2014/main" id="{B5F3581D-0A14-4A3A-BF8B-0043E679A07A}"/>
+                <a16:creationId xmlns:a16="http://schemas.microsoft.com/office/drawing/2014/main" xmlns="" id="{ABF3BDE5-A49E-4235-ABB6-8DE6322556F1}"/>
               </a:ext>
             </a:extLst>
           </p:cNvPr>
@@ -3609,7 +3627,11 @@
           <a:bodyPr/>
           <a:lstStyle/>
           <a:p>
-            <a:endParaRPr lang="ru-RU"/>
+            <a:r>
+              <a:rPr lang="ru-RU" dirty="0" smtClean="0"/>
+              <a:t>Функции</a:t>
+            </a:r>
+            <a:endParaRPr lang="ru-RU" dirty="0"/>
           </a:p>
         </p:txBody>
       </p:sp>
@@ -3618,7 +3640,7 @@
           <p:cNvPr id="3" name="Объект 2">
             <a:extLst>
               <a:ext uri="{FF2B5EF4-FFF2-40B4-BE49-F238E27FC236}">
-                <a16:creationId xmlns:a16="http://schemas.microsoft.com/office/drawing/2014/main" id="{82597F3B-7ECF-4B4C-AD5E-4C892D95F8E3}"/>
+                <a16:creationId xmlns:a16="http://schemas.microsoft.com/office/drawing/2014/main" xmlns="" id="{F37554EB-CECB-46DA-AA63-49E5124FBFFE}"/>
               </a:ext>
             </a:extLst>
           </p:cNvPr>
@@ -3634,14 +3656,51 @@
           <a:bodyPr/>
           <a:lstStyle/>
           <a:p>
-            <a:endParaRPr lang="ru-RU"/>
-          </a:p>
-        </p:txBody>
-      </p:sp>
+            <a:r>
+              <a:rPr lang="ru-RU" dirty="0" smtClean="0"/>
+              <a:t>Удаление книги</a:t>
+            </a:r>
+            <a:endParaRPr lang="ru-RU" dirty="0"/>
+          </a:p>
+        </p:txBody>
+      </p:sp>
+      <p:pic>
+        <p:nvPicPr>
+          <p:cNvPr id="8194" name="Picture 2"/>
+          <p:cNvPicPr>
+            <a:picLocks noChangeAspect="1" noChangeArrowheads="1"/>
+          </p:cNvPicPr>
+          <p:nvPr/>
+        </p:nvPicPr>
+        <p:blipFill>
+          <a:blip r:embed="rId2"/>
+          <a:srcRect/>
+          <a:stretch>
+            <a:fillRect/>
+          </a:stretch>
+        </p:blipFill>
+        <p:spPr bwMode="auto">
+          <a:xfrm>
+            <a:off x="3449638" y="2973916"/>
+            <a:ext cx="5191125" cy="2247900"/>
+          </a:xfrm>
+          <a:prstGeom prst="rect">
+            <a:avLst/>
+          </a:prstGeom>
+          <a:noFill/>
+          <a:ln w="9525">
+            <a:noFill/>
+            <a:miter lim="800000"/>
+            <a:headEnd/>
+            <a:tailEnd/>
+          </a:ln>
+          <a:effectLst/>
+        </p:spPr>
+      </p:pic>
     </p:spTree>
     <p:extLst>
       <p:ext uri="{BB962C8B-B14F-4D97-AF65-F5344CB8AC3E}">
-        <p14:creationId xmlns:p14="http://schemas.microsoft.com/office/powerpoint/2010/main" val="1882691800"/>
+        <p14:creationId xmlns:p14="http://schemas.microsoft.com/office/powerpoint/2010/main" xmlns="" val="1982399702"/>
       </p:ext>
     </p:extLst>
   </p:cSld>
@@ -3673,7 +3732,7 @@
           <p:cNvPr id="2" name="Заголовок 1">
             <a:extLst>
               <a:ext uri="{FF2B5EF4-FFF2-40B4-BE49-F238E27FC236}">
-                <a16:creationId xmlns:a16="http://schemas.microsoft.com/office/drawing/2014/main" id="{C3589082-131A-4A24-91FB-168021B1FAF6}"/>
+                <a16:creationId xmlns:a16="http://schemas.microsoft.com/office/drawing/2014/main" xmlns="" id="{F4276FBF-487E-4712-B2E1-5570EBCE849F}"/>
               </a:ext>
             </a:extLst>
           </p:cNvPr>
@@ -3689,7 +3748,11 @@
           <a:bodyPr/>
           <a:lstStyle/>
           <a:p>
-            <a:endParaRPr lang="ru-RU"/>
+            <a:r>
+              <a:rPr lang="ru-RU" dirty="0" smtClean="0"/>
+              <a:t>Функции</a:t>
+            </a:r>
+            <a:endParaRPr lang="ru-RU" dirty="0"/>
           </a:p>
         </p:txBody>
       </p:sp>
@@ -3698,7 +3761,7 @@
           <p:cNvPr id="3" name="Объект 2">
             <a:extLst>
               <a:ext uri="{FF2B5EF4-FFF2-40B4-BE49-F238E27FC236}">
-                <a16:creationId xmlns:a16="http://schemas.microsoft.com/office/drawing/2014/main" id="{E08B9302-25DD-4F08-B881-BC3CCA55906B}"/>
+                <a16:creationId xmlns:a16="http://schemas.microsoft.com/office/drawing/2014/main" xmlns="" id="{83B99B62-57B8-4C2C-8A3A-9ACEA6FC9533}"/>
               </a:ext>
             </a:extLst>
           </p:cNvPr>
@@ -3714,14 +3777,53 @@
           <a:bodyPr/>
           <a:lstStyle/>
           <a:p>
-            <a:endParaRPr lang="ru-RU"/>
-          </a:p>
-        </p:txBody>
-      </p:sp>
+            <a:r>
+              <a:rPr lang="ru-RU" dirty="0" smtClean="0"/>
+              <a:t>Главная страница и личный кабинет</a:t>
+            </a:r>
+          </a:p>
+          <a:p>
+            <a:endParaRPr lang="ru-RU" dirty="0"/>
+          </a:p>
+        </p:txBody>
+      </p:sp>
+      <p:pic>
+        <p:nvPicPr>
+          <p:cNvPr id="7171" name="Picture 3"/>
+          <p:cNvPicPr>
+            <a:picLocks noChangeAspect="1" noChangeArrowheads="1"/>
+          </p:cNvPicPr>
+          <p:nvPr/>
+        </p:nvPicPr>
+        <p:blipFill>
+          <a:blip r:embed="rId2"/>
+          <a:srcRect/>
+          <a:stretch>
+            <a:fillRect/>
+          </a:stretch>
+        </p:blipFill>
+        <p:spPr bwMode="auto">
+          <a:xfrm>
+            <a:off x="2479146" y="2391833"/>
+            <a:ext cx="6859587" cy="4038600"/>
+          </a:xfrm>
+          <a:prstGeom prst="rect">
+            <a:avLst/>
+          </a:prstGeom>
+          <a:noFill/>
+          <a:ln w="9525">
+            <a:noFill/>
+            <a:miter lim="800000"/>
+            <a:headEnd/>
+            <a:tailEnd/>
+          </a:ln>
+          <a:effectLst/>
+        </p:spPr>
+      </p:pic>
     </p:spTree>
     <p:extLst>
       <p:ext uri="{BB962C8B-B14F-4D97-AF65-F5344CB8AC3E}">
-        <p14:creationId xmlns:p14="http://schemas.microsoft.com/office/powerpoint/2010/main" val="1071872606"/>
+        <p14:creationId xmlns:p14="http://schemas.microsoft.com/office/powerpoint/2010/main" xmlns="" val="2367182526"/>
       </p:ext>
     </p:extLst>
   </p:cSld>
@@ -3753,7 +3855,7 @@
           <p:cNvPr id="2" name="Заголовок 1">
             <a:extLst>
               <a:ext uri="{FF2B5EF4-FFF2-40B4-BE49-F238E27FC236}">
-                <a16:creationId xmlns:a16="http://schemas.microsoft.com/office/drawing/2014/main" id="{9825F693-4F62-467D-80C8-4078DC6E6779}"/>
+                <a16:creationId xmlns:a16="http://schemas.microsoft.com/office/drawing/2014/main" xmlns="" id="{1593A954-0E9D-47A6-8965-8CB5DB5D4A67}"/>
               </a:ext>
             </a:extLst>
           </p:cNvPr>
@@ -3766,10 +3868,31 @@
         </p:nvSpPr>
         <p:spPr/>
         <p:txBody>
-          <a:bodyPr/>
-          <a:lstStyle/>
-          <a:p>
-            <a:endParaRPr lang="ru-RU"/>
+          <a:bodyPr>
+            <a:normAutofit/>
+          </a:bodyPr>
+          <a:lstStyle/>
+          <a:p>
+            <a:r>
+              <a:rPr lang="ru-RU" dirty="0"/>
+              <a:t>Заключение</a:t>
+            </a:r>
+            <a:br>
+              <a:rPr lang="ru-RU" dirty="0"/>
+            </a:br>
+            <a:r>
+              <a:rPr lang="ru-RU" sz="2400" dirty="0">
+                <a:solidFill>
+                  <a:schemeClr val="tx1">
+                    <a:lumMod val="50000"/>
+                    <a:lumOff val="50000"/>
+                  </a:schemeClr>
+                </a:solidFill>
+                <a:latin typeface="+mn-lt"/>
+              </a:rPr>
+              <a:t>Выводы по работе, возможности для доработки и развития.</a:t>
+            </a:r>
+            <a:endParaRPr lang="ru-RU" sz="2400" dirty="0"/>
           </a:p>
         </p:txBody>
       </p:sp>
@@ -3778,7 +3901,7 @@
           <p:cNvPr id="3" name="Объект 2">
             <a:extLst>
               <a:ext uri="{FF2B5EF4-FFF2-40B4-BE49-F238E27FC236}">
-                <a16:creationId xmlns:a16="http://schemas.microsoft.com/office/drawing/2014/main" id="{64AC7A51-F40E-4DF3-A79B-48CC46DE7831}"/>
+                <a16:creationId xmlns:a16="http://schemas.microsoft.com/office/drawing/2014/main" xmlns="" id="{67E61B6C-52A3-4A0A-A2AE-FD6A3E995F4F}"/>
               </a:ext>
             </a:extLst>
           </p:cNvPr>
@@ -3789,19 +3912,39 @@
             <p:ph idx="1"/>
           </p:nvPr>
         </p:nvSpPr>
-        <p:spPr/>
-        <p:txBody>
-          <a:bodyPr/>
-          <a:lstStyle/>
-          <a:p>
-            <a:endParaRPr lang="ru-RU"/>
+        <p:spPr>
+          <a:xfrm>
+            <a:off x="1261872" y="2743200"/>
+            <a:ext cx="8595360" cy="2321201"/>
+          </a:xfrm>
+        </p:spPr>
+        <p:txBody>
+          <a:bodyPr/>
+          <a:lstStyle/>
+          <a:p>
+            <a:r>
+              <a:rPr lang="ru-RU" sz="1800" dirty="0"/>
+              <a:t>Благодаря работе над этим проектом я узнал очень много новой информации, закрепил уже полученные знания и получил бесценный опыт в сфере написания сайтов. </a:t>
+            </a:r>
+          </a:p>
+          <a:p>
+            <a:endParaRPr lang="ru-RU" sz="1800" dirty="0"/>
+          </a:p>
+          <a:p>
+            <a:r>
+              <a:rPr lang="ru-RU" sz="1800" dirty="0"/>
+              <a:t>В планах у меня дальше развиваться в сфере создания сайтов и заниматься этим на профессиональном уровне.</a:t>
+            </a:r>
+          </a:p>
+          <a:p>
+            <a:endParaRPr lang="ru-RU" dirty="0"/>
           </a:p>
         </p:txBody>
       </p:sp>
     </p:spTree>
     <p:extLst>
       <p:ext uri="{BB962C8B-B14F-4D97-AF65-F5344CB8AC3E}">
-        <p14:creationId xmlns:p14="http://schemas.microsoft.com/office/powerpoint/2010/main" val="3609291819"/>
+        <p14:creationId xmlns:p14="http://schemas.microsoft.com/office/powerpoint/2010/main" xmlns="" val="2240918863"/>
       </p:ext>
     </p:extLst>
   </p:cSld>
@@ -3828,533 +3971,12 @@
           <a:chExt cx="0" cy="0"/>
         </a:xfrm>
       </p:grpSpPr>
-      <p:sp>
-        <p:nvSpPr>
-          <p:cNvPr id="2" name="Заголовок 1">
-            <a:extLst>
-              <a:ext uri="{FF2B5EF4-FFF2-40B4-BE49-F238E27FC236}">
-                <a16:creationId xmlns:a16="http://schemas.microsoft.com/office/drawing/2014/main" id="{A48CCFAC-540B-464D-AF68-EB9D529789E1}"/>
-              </a:ext>
-            </a:extLst>
-          </p:cNvPr>
-          <p:cNvSpPr>
-            <a:spLocks noGrp="1"/>
-          </p:cNvSpPr>
-          <p:nvPr>
-            <p:ph type="title"/>
-          </p:nvPr>
-        </p:nvSpPr>
-        <p:spPr/>
-        <p:txBody>
-          <a:bodyPr/>
-          <a:lstStyle/>
-          <a:p>
-            <a:endParaRPr lang="ru-RU"/>
-          </a:p>
-        </p:txBody>
-      </p:sp>
-      <p:sp>
-        <p:nvSpPr>
-          <p:cNvPr id="3" name="Объект 2">
-            <a:extLst>
-              <a:ext uri="{FF2B5EF4-FFF2-40B4-BE49-F238E27FC236}">
-                <a16:creationId xmlns:a16="http://schemas.microsoft.com/office/drawing/2014/main" id="{94B09E1F-F262-41B9-B36C-7366EAEAABDD}"/>
-              </a:ext>
-            </a:extLst>
-          </p:cNvPr>
-          <p:cNvSpPr>
-            <a:spLocks noGrp="1"/>
-          </p:cNvSpPr>
-          <p:nvPr>
-            <p:ph idx="1"/>
-          </p:nvPr>
-        </p:nvSpPr>
-        <p:spPr/>
-        <p:txBody>
-          <a:bodyPr/>
-          <a:lstStyle/>
-          <a:p>
-            <a:endParaRPr lang="ru-RU"/>
-          </a:p>
-        </p:txBody>
-      </p:sp>
-    </p:spTree>
-    <p:extLst>
-      <p:ext uri="{BB962C8B-B14F-4D97-AF65-F5344CB8AC3E}">
-        <p14:creationId xmlns:p14="http://schemas.microsoft.com/office/powerpoint/2010/main" val="381616012"/>
-      </p:ext>
-    </p:extLst>
-  </p:cSld>
-  <p:clrMapOvr>
-    <a:masterClrMapping/>
-  </p:clrMapOvr>
-</p:sld>
-</file>
-
-<file path=ppt/slides/slide14.xml><?xml version="1.0" encoding="utf-8"?>
-<p:sld xmlns:a="http://schemas.openxmlformats.org/drawingml/2006/main" xmlns:r="http://schemas.openxmlformats.org/officeDocument/2006/relationships" xmlns:p="http://schemas.openxmlformats.org/presentationml/2006/main">
-  <p:cSld>
-    <p:spTree>
-      <p:nvGrpSpPr>
-        <p:cNvPr id="1" name=""/>
-        <p:cNvGrpSpPr/>
-        <p:nvPr/>
-      </p:nvGrpSpPr>
-      <p:grpSpPr>
-        <a:xfrm>
-          <a:off x="0" y="0"/>
-          <a:ext cx="0" cy="0"/>
-          <a:chOff x="0" y="0"/>
-          <a:chExt cx="0" cy="0"/>
-        </a:xfrm>
-      </p:grpSpPr>
-      <p:sp>
-        <p:nvSpPr>
-          <p:cNvPr id="2" name="Заголовок 1">
-            <a:extLst>
-              <a:ext uri="{FF2B5EF4-FFF2-40B4-BE49-F238E27FC236}">
-                <a16:creationId xmlns:a16="http://schemas.microsoft.com/office/drawing/2014/main" id="{277C4DD3-FA79-426E-8247-AC7F58355BB2}"/>
-              </a:ext>
-            </a:extLst>
-          </p:cNvPr>
-          <p:cNvSpPr>
-            <a:spLocks noGrp="1"/>
-          </p:cNvSpPr>
-          <p:nvPr>
-            <p:ph type="title"/>
-          </p:nvPr>
-        </p:nvSpPr>
-        <p:spPr/>
-        <p:txBody>
-          <a:bodyPr/>
-          <a:lstStyle/>
-          <a:p>
-            <a:endParaRPr lang="ru-RU"/>
-          </a:p>
-        </p:txBody>
-      </p:sp>
-      <p:sp>
-        <p:nvSpPr>
-          <p:cNvPr id="3" name="Объект 2">
-            <a:extLst>
-              <a:ext uri="{FF2B5EF4-FFF2-40B4-BE49-F238E27FC236}">
-                <a16:creationId xmlns:a16="http://schemas.microsoft.com/office/drawing/2014/main" id="{B04D712D-D14F-4D6B-B9B0-6DB62AE0E22A}"/>
-              </a:ext>
-            </a:extLst>
-          </p:cNvPr>
-          <p:cNvSpPr>
-            <a:spLocks noGrp="1"/>
-          </p:cNvSpPr>
-          <p:nvPr>
-            <p:ph idx="1"/>
-          </p:nvPr>
-        </p:nvSpPr>
-        <p:spPr/>
-        <p:txBody>
-          <a:bodyPr/>
-          <a:lstStyle/>
-          <a:p>
-            <a:endParaRPr lang="ru-RU"/>
-          </a:p>
-        </p:txBody>
-      </p:sp>
-    </p:spTree>
-    <p:extLst>
-      <p:ext uri="{BB962C8B-B14F-4D97-AF65-F5344CB8AC3E}">
-        <p14:creationId xmlns:p14="http://schemas.microsoft.com/office/powerpoint/2010/main" val="4109874693"/>
-      </p:ext>
-    </p:extLst>
-  </p:cSld>
-  <p:clrMapOvr>
-    <a:masterClrMapping/>
-  </p:clrMapOvr>
-</p:sld>
-</file>
-
-<file path=ppt/slides/slide15.xml><?xml version="1.0" encoding="utf-8"?>
-<p:sld xmlns:a="http://schemas.openxmlformats.org/drawingml/2006/main" xmlns:r="http://schemas.openxmlformats.org/officeDocument/2006/relationships" xmlns:p="http://schemas.openxmlformats.org/presentationml/2006/main">
-  <p:cSld>
-    <p:spTree>
-      <p:nvGrpSpPr>
-        <p:cNvPr id="1" name=""/>
-        <p:cNvGrpSpPr/>
-        <p:nvPr/>
-      </p:nvGrpSpPr>
-      <p:grpSpPr>
-        <a:xfrm>
-          <a:off x="0" y="0"/>
-          <a:ext cx="0" cy="0"/>
-          <a:chOff x="0" y="0"/>
-          <a:chExt cx="0" cy="0"/>
-        </a:xfrm>
-      </p:grpSpPr>
-      <p:sp>
-        <p:nvSpPr>
-          <p:cNvPr id="2" name="Заголовок 1">
-            <a:extLst>
-              <a:ext uri="{FF2B5EF4-FFF2-40B4-BE49-F238E27FC236}">
-                <a16:creationId xmlns:a16="http://schemas.microsoft.com/office/drawing/2014/main" id="{0ACD9716-120B-4ECB-8B89-C248489D5035}"/>
-              </a:ext>
-            </a:extLst>
-          </p:cNvPr>
-          <p:cNvSpPr>
-            <a:spLocks noGrp="1"/>
-          </p:cNvSpPr>
-          <p:nvPr>
-            <p:ph type="title"/>
-          </p:nvPr>
-        </p:nvSpPr>
-        <p:spPr/>
-        <p:txBody>
-          <a:bodyPr/>
-          <a:lstStyle/>
-          <a:p>
-            <a:endParaRPr lang="ru-RU"/>
-          </a:p>
-        </p:txBody>
-      </p:sp>
-      <p:sp>
-        <p:nvSpPr>
-          <p:cNvPr id="3" name="Объект 2">
-            <a:extLst>
-              <a:ext uri="{FF2B5EF4-FFF2-40B4-BE49-F238E27FC236}">
-                <a16:creationId xmlns:a16="http://schemas.microsoft.com/office/drawing/2014/main" id="{CABF09AB-C7BA-403C-A177-C0474DA1D548}"/>
-              </a:ext>
-            </a:extLst>
-          </p:cNvPr>
-          <p:cNvSpPr>
-            <a:spLocks noGrp="1"/>
-          </p:cNvSpPr>
-          <p:nvPr>
-            <p:ph idx="1"/>
-          </p:nvPr>
-        </p:nvSpPr>
-        <p:spPr/>
-        <p:txBody>
-          <a:bodyPr/>
-          <a:lstStyle/>
-          <a:p>
-            <a:endParaRPr lang="ru-RU"/>
-          </a:p>
-        </p:txBody>
-      </p:sp>
-    </p:spTree>
-    <p:extLst>
-      <p:ext uri="{BB962C8B-B14F-4D97-AF65-F5344CB8AC3E}">
-        <p14:creationId xmlns:p14="http://schemas.microsoft.com/office/powerpoint/2010/main" val="820009002"/>
-      </p:ext>
-    </p:extLst>
-  </p:cSld>
-  <p:clrMapOvr>
-    <a:masterClrMapping/>
-  </p:clrMapOvr>
-</p:sld>
-</file>
-
-<file path=ppt/slides/slide16.xml><?xml version="1.0" encoding="utf-8"?>
-<p:sld xmlns:a="http://schemas.openxmlformats.org/drawingml/2006/main" xmlns:r="http://schemas.openxmlformats.org/officeDocument/2006/relationships" xmlns:p="http://schemas.openxmlformats.org/presentationml/2006/main">
-  <p:cSld>
-    <p:spTree>
-      <p:nvGrpSpPr>
-        <p:cNvPr id="1" name=""/>
-        <p:cNvGrpSpPr/>
-        <p:nvPr/>
-      </p:nvGrpSpPr>
-      <p:grpSpPr>
-        <a:xfrm>
-          <a:off x="0" y="0"/>
-          <a:ext cx="0" cy="0"/>
-          <a:chOff x="0" y="0"/>
-          <a:chExt cx="0" cy="0"/>
-        </a:xfrm>
-      </p:grpSpPr>
-      <p:sp>
-        <p:nvSpPr>
-          <p:cNvPr id="2" name="Заголовок 1">
-            <a:extLst>
-              <a:ext uri="{FF2B5EF4-FFF2-40B4-BE49-F238E27FC236}">
-                <a16:creationId xmlns:a16="http://schemas.microsoft.com/office/drawing/2014/main" id="{67EF3439-1CE5-4672-9B19-C5EB075AA05F}"/>
-              </a:ext>
-            </a:extLst>
-          </p:cNvPr>
-          <p:cNvSpPr>
-            <a:spLocks noGrp="1"/>
-          </p:cNvSpPr>
-          <p:nvPr>
-            <p:ph type="title"/>
-          </p:nvPr>
-        </p:nvSpPr>
-        <p:spPr/>
-        <p:txBody>
-          <a:bodyPr/>
-          <a:lstStyle/>
-          <a:p>
-            <a:endParaRPr lang="ru-RU"/>
-          </a:p>
-        </p:txBody>
-      </p:sp>
-      <p:sp>
-        <p:nvSpPr>
-          <p:cNvPr id="3" name="Объект 2">
-            <a:extLst>
-              <a:ext uri="{FF2B5EF4-FFF2-40B4-BE49-F238E27FC236}">
-                <a16:creationId xmlns:a16="http://schemas.microsoft.com/office/drawing/2014/main" id="{3D3B283A-A11C-4C6F-AE94-7DF0BB2CEE8F}"/>
-              </a:ext>
-            </a:extLst>
-          </p:cNvPr>
-          <p:cNvSpPr>
-            <a:spLocks noGrp="1"/>
-          </p:cNvSpPr>
-          <p:nvPr>
-            <p:ph idx="1"/>
-          </p:nvPr>
-        </p:nvSpPr>
-        <p:spPr/>
-        <p:txBody>
-          <a:bodyPr/>
-          <a:lstStyle/>
-          <a:p>
-            <a:endParaRPr lang="ru-RU"/>
-          </a:p>
-        </p:txBody>
-      </p:sp>
-    </p:spTree>
-    <p:extLst>
-      <p:ext uri="{BB962C8B-B14F-4D97-AF65-F5344CB8AC3E}">
-        <p14:creationId xmlns:p14="http://schemas.microsoft.com/office/powerpoint/2010/main" val="2469928241"/>
-      </p:ext>
-    </p:extLst>
-  </p:cSld>
-  <p:clrMapOvr>
-    <a:masterClrMapping/>
-  </p:clrMapOvr>
-</p:sld>
-</file>
-
-<file path=ppt/slides/slide17.xml><?xml version="1.0" encoding="utf-8"?>
-<p:sld xmlns:a="http://schemas.openxmlformats.org/drawingml/2006/main" xmlns:r="http://schemas.openxmlformats.org/officeDocument/2006/relationships" xmlns:p="http://schemas.openxmlformats.org/presentationml/2006/main">
-  <p:cSld>
-    <p:spTree>
-      <p:nvGrpSpPr>
-        <p:cNvPr id="1" name=""/>
-        <p:cNvGrpSpPr/>
-        <p:nvPr/>
-      </p:nvGrpSpPr>
-      <p:grpSpPr>
-        <a:xfrm>
-          <a:off x="0" y="0"/>
-          <a:ext cx="0" cy="0"/>
-          <a:chOff x="0" y="0"/>
-          <a:chExt cx="0" cy="0"/>
-        </a:xfrm>
-      </p:grpSpPr>
-      <p:sp>
-        <p:nvSpPr>
-          <p:cNvPr id="2" name="Заголовок 1">
-            <a:extLst>
-              <a:ext uri="{FF2B5EF4-FFF2-40B4-BE49-F238E27FC236}">
-                <a16:creationId xmlns:a16="http://schemas.microsoft.com/office/drawing/2014/main" id="{4E303D1D-0907-4718-BF01-80A2545316B7}"/>
-              </a:ext>
-            </a:extLst>
-          </p:cNvPr>
-          <p:cNvSpPr>
-            <a:spLocks noGrp="1"/>
-          </p:cNvSpPr>
-          <p:nvPr>
-            <p:ph type="title"/>
-          </p:nvPr>
-        </p:nvSpPr>
-        <p:spPr/>
-        <p:txBody>
-          <a:bodyPr/>
-          <a:lstStyle/>
-          <a:p>
-            <a:endParaRPr lang="ru-RU"/>
-          </a:p>
-        </p:txBody>
-      </p:sp>
-      <p:sp>
-        <p:nvSpPr>
-          <p:cNvPr id="3" name="Объект 2">
-            <a:extLst>
-              <a:ext uri="{FF2B5EF4-FFF2-40B4-BE49-F238E27FC236}">
-                <a16:creationId xmlns:a16="http://schemas.microsoft.com/office/drawing/2014/main" id="{6DDB5FFC-8AFD-4189-8AAC-78F5F08A8DC9}"/>
-              </a:ext>
-            </a:extLst>
-          </p:cNvPr>
-          <p:cNvSpPr>
-            <a:spLocks noGrp="1"/>
-          </p:cNvSpPr>
-          <p:nvPr>
-            <p:ph idx="1"/>
-          </p:nvPr>
-        </p:nvSpPr>
-        <p:spPr/>
-        <p:txBody>
-          <a:bodyPr/>
-          <a:lstStyle/>
-          <a:p>
-            <a:endParaRPr lang="ru-RU"/>
-          </a:p>
-        </p:txBody>
-      </p:sp>
-    </p:spTree>
-    <p:extLst>
-      <p:ext uri="{BB962C8B-B14F-4D97-AF65-F5344CB8AC3E}">
-        <p14:creationId xmlns:p14="http://schemas.microsoft.com/office/powerpoint/2010/main" val="4121382458"/>
-      </p:ext>
-    </p:extLst>
-  </p:cSld>
-  <p:clrMapOvr>
-    <a:masterClrMapping/>
-  </p:clrMapOvr>
-</p:sld>
-</file>
-
-<file path=ppt/slides/slide18.xml><?xml version="1.0" encoding="utf-8"?>
-<p:sld xmlns:a="http://schemas.openxmlformats.org/drawingml/2006/main" xmlns:r="http://schemas.openxmlformats.org/officeDocument/2006/relationships" xmlns:p="http://schemas.openxmlformats.org/presentationml/2006/main">
-  <p:cSld>
-    <p:spTree>
-      <p:nvGrpSpPr>
-        <p:cNvPr id="1" name=""/>
-        <p:cNvGrpSpPr/>
-        <p:nvPr/>
-      </p:nvGrpSpPr>
-      <p:grpSpPr>
-        <a:xfrm>
-          <a:off x="0" y="0"/>
-          <a:ext cx="0" cy="0"/>
-          <a:chOff x="0" y="0"/>
-          <a:chExt cx="0" cy="0"/>
-        </a:xfrm>
-      </p:grpSpPr>
-      <p:sp>
-        <p:nvSpPr>
-          <p:cNvPr id="2" name="Заголовок 1">
-            <a:extLst>
-              <a:ext uri="{FF2B5EF4-FFF2-40B4-BE49-F238E27FC236}">
-                <a16:creationId xmlns:a16="http://schemas.microsoft.com/office/drawing/2014/main" id="{1593A954-0E9D-47A6-8965-8CB5DB5D4A67}"/>
-              </a:ext>
-            </a:extLst>
-          </p:cNvPr>
-          <p:cNvSpPr>
-            <a:spLocks noGrp="1"/>
-          </p:cNvSpPr>
-          <p:nvPr>
-            <p:ph type="title"/>
-          </p:nvPr>
-        </p:nvSpPr>
-        <p:spPr/>
-        <p:txBody>
-          <a:bodyPr>
-            <a:normAutofit/>
-          </a:bodyPr>
-          <a:lstStyle/>
-          <a:p>
-            <a:r>
-              <a:rPr lang="ru-RU" dirty="0"/>
-              <a:t>Заключение</a:t>
-            </a:r>
-            <a:br>
-              <a:rPr lang="ru-RU" dirty="0"/>
-            </a:br>
-            <a:r>
-              <a:rPr lang="ru-RU" sz="2400" dirty="0">
-                <a:solidFill>
-                  <a:schemeClr val="tx1">
-                    <a:lumMod val="50000"/>
-                    <a:lumOff val="50000"/>
-                  </a:schemeClr>
-                </a:solidFill>
-                <a:latin typeface="+mn-lt"/>
-              </a:rPr>
-              <a:t>Выводы по работе, возможности для доработки и развития.</a:t>
-            </a:r>
-            <a:endParaRPr lang="ru-RU" sz="2400" dirty="0"/>
-          </a:p>
-        </p:txBody>
-      </p:sp>
-      <p:sp>
-        <p:nvSpPr>
-          <p:cNvPr id="3" name="Объект 2">
-            <a:extLst>
-              <a:ext uri="{FF2B5EF4-FFF2-40B4-BE49-F238E27FC236}">
-                <a16:creationId xmlns:a16="http://schemas.microsoft.com/office/drawing/2014/main" id="{67E61B6C-52A3-4A0A-A2AE-FD6A3E995F4F}"/>
-              </a:ext>
-            </a:extLst>
-          </p:cNvPr>
-          <p:cNvSpPr>
-            <a:spLocks noGrp="1"/>
-          </p:cNvSpPr>
-          <p:nvPr>
-            <p:ph idx="1"/>
-          </p:nvPr>
-        </p:nvSpPr>
-        <p:spPr>
-          <a:xfrm>
-            <a:off x="1261872" y="2743200"/>
-            <a:ext cx="8595360" cy="2321201"/>
-          </a:xfrm>
-        </p:spPr>
-        <p:txBody>
-          <a:bodyPr/>
-          <a:lstStyle/>
-          <a:p>
-            <a:r>
-              <a:rPr lang="ru-RU" sz="1800" dirty="0"/>
-              <a:t>Благодаря работе над этим проектом я узнал очень много новой информации, закрепил уже полученные знания и получил бесценный опыт в сфере написания сайтов. </a:t>
-            </a:r>
-          </a:p>
-          <a:p>
-            <a:endParaRPr lang="ru-RU" sz="1800" dirty="0"/>
-          </a:p>
-          <a:p>
-            <a:r>
-              <a:rPr lang="ru-RU" sz="1800" dirty="0"/>
-              <a:t>В планах у меня дальше развиваться в сфере создания сайтов и заниматься этим на профессиональном уровне.</a:t>
-            </a:r>
-          </a:p>
-          <a:p>
-            <a:endParaRPr lang="ru-RU" dirty="0"/>
-          </a:p>
-        </p:txBody>
-      </p:sp>
-    </p:spTree>
-    <p:extLst>
-      <p:ext uri="{BB962C8B-B14F-4D97-AF65-F5344CB8AC3E}">
-        <p14:creationId xmlns:p14="http://schemas.microsoft.com/office/powerpoint/2010/main" val="2240918863"/>
-      </p:ext>
-    </p:extLst>
-  </p:cSld>
-  <p:clrMapOvr>
-    <a:masterClrMapping/>
-  </p:clrMapOvr>
-</p:sld>
-</file>
-
-<file path=ppt/slides/slide19.xml><?xml version="1.0" encoding="utf-8"?>
-<p:sld xmlns:a="http://schemas.openxmlformats.org/drawingml/2006/main" xmlns:r="http://schemas.openxmlformats.org/officeDocument/2006/relationships" xmlns:p="http://schemas.openxmlformats.org/presentationml/2006/main">
-  <p:cSld>
-    <p:spTree>
-      <p:nvGrpSpPr>
-        <p:cNvPr id="1" name=""/>
-        <p:cNvGrpSpPr/>
-        <p:nvPr/>
-      </p:nvGrpSpPr>
-      <p:grpSpPr>
-        <a:xfrm>
-          <a:off x="0" y="0"/>
-          <a:ext cx="0" cy="0"/>
-          <a:chOff x="0" y="0"/>
-          <a:chExt cx="0" cy="0"/>
-        </a:xfrm>
-      </p:grpSpPr>
       <p:pic>
         <p:nvPicPr>
           <p:cNvPr id="3" name="Рисунок 2">
             <a:extLst>
               <a:ext uri="{FF2B5EF4-FFF2-40B4-BE49-F238E27FC236}">
-                <a16:creationId xmlns:a16="http://schemas.microsoft.com/office/drawing/2014/main" id="{E55C0687-985A-416B-87D8-FCB879BC0F37}"/>
+                <a16:creationId xmlns:a16="http://schemas.microsoft.com/office/drawing/2014/main" xmlns="" id="{E55C0687-985A-416B-87D8-FCB879BC0F37}"/>
               </a:ext>
             </a:extLst>
           </p:cNvPr>
@@ -4367,7 +3989,7 @@
           <a:blip r:embed="rId2">
             <a:extLst>
               <a:ext uri="{28A0092B-C50C-407E-A947-70E740481C1C}">
-                <a14:useLocalDpi xmlns:a14="http://schemas.microsoft.com/office/drawing/2010/main" val="0"/>
+                <a14:useLocalDpi xmlns:a14="http://schemas.microsoft.com/office/drawing/2010/main" xmlns="" val="0"/>
               </a:ext>
             </a:extLst>
           </a:blip>
@@ -4388,7 +4010,7 @@
     </p:spTree>
     <p:extLst>
       <p:ext uri="{BB962C8B-B14F-4D97-AF65-F5344CB8AC3E}">
-        <p14:creationId xmlns:p14="http://schemas.microsoft.com/office/powerpoint/2010/main" val="3634065192"/>
+        <p14:creationId xmlns:p14="http://schemas.microsoft.com/office/powerpoint/2010/main" xmlns="" val="3634065192"/>
       </p:ext>
     </p:extLst>
   </p:cSld>
@@ -4420,7 +4042,7 @@
           <p:cNvPr id="2" name="Заголовок 1">
             <a:extLst>
               <a:ext uri="{FF2B5EF4-FFF2-40B4-BE49-F238E27FC236}">
-                <a16:creationId xmlns:a16="http://schemas.microsoft.com/office/drawing/2014/main" id="{6C21E8E9-FC6C-4A43-8ADB-1A48F2091FB0}"/>
+                <a16:creationId xmlns:a16="http://schemas.microsoft.com/office/drawing/2014/main" xmlns="" id="{6C21E8E9-FC6C-4A43-8ADB-1A48F2091FB0}"/>
               </a:ext>
             </a:extLst>
           </p:cNvPr>
@@ -4471,7 +4093,7 @@
           <p:cNvPr id="3" name="Объект 2">
             <a:extLst>
               <a:ext uri="{FF2B5EF4-FFF2-40B4-BE49-F238E27FC236}">
-                <a16:creationId xmlns:a16="http://schemas.microsoft.com/office/drawing/2014/main" id="{0256EF71-902E-45E6-80DF-563A9C2CCFFB}"/>
+                <a16:creationId xmlns:a16="http://schemas.microsoft.com/office/drawing/2014/main" xmlns="" id="{0256EF71-902E-45E6-80DF-563A9C2CCFFB}"/>
               </a:ext>
             </a:extLst>
           </p:cNvPr>
@@ -4507,7 +4129,7 @@
     </p:spTree>
     <p:extLst>
       <p:ext uri="{BB962C8B-B14F-4D97-AF65-F5344CB8AC3E}">
-        <p14:creationId xmlns:p14="http://schemas.microsoft.com/office/powerpoint/2010/main" val="2414215706"/>
+        <p14:creationId xmlns:p14="http://schemas.microsoft.com/office/powerpoint/2010/main" xmlns="" val="2414215706"/>
       </p:ext>
     </p:extLst>
   </p:cSld>
@@ -4539,7 +4161,7 @@
           <p:cNvPr id="2" name="Заголовок 1">
             <a:extLst>
               <a:ext uri="{FF2B5EF4-FFF2-40B4-BE49-F238E27FC236}">
-                <a16:creationId xmlns:a16="http://schemas.microsoft.com/office/drawing/2014/main" id="{D0B19DDE-4E7C-4EFA-B01F-FEAC8221BDC4}"/>
+                <a16:creationId xmlns:a16="http://schemas.microsoft.com/office/drawing/2014/main" xmlns="" id="{D0B19DDE-4E7C-4EFA-B01F-FEAC8221BDC4}"/>
               </a:ext>
             </a:extLst>
           </p:cNvPr>
@@ -4583,7 +4205,7 @@
           <p:cNvPr id="3" name="Объект 2">
             <a:extLst>
               <a:ext uri="{FF2B5EF4-FFF2-40B4-BE49-F238E27FC236}">
-                <a16:creationId xmlns:a16="http://schemas.microsoft.com/office/drawing/2014/main" id="{7A4EFF9D-9B1D-4EEE-B522-5D9210852941}"/>
+                <a16:creationId xmlns:a16="http://schemas.microsoft.com/office/drawing/2014/main" xmlns="" id="{7A4EFF9D-9B1D-4EEE-B522-5D9210852941}"/>
               </a:ext>
             </a:extLst>
           </p:cNvPr>
@@ -4596,7 +4218,9 @@
         </p:nvSpPr>
         <p:spPr/>
         <p:txBody>
-          <a:bodyPr/>
+          <a:bodyPr>
+            <a:normAutofit/>
+          </a:bodyPr>
           <a:lstStyle/>
           <a:p>
             <a:pPr marL="0" indent="0">
@@ -4604,15 +4228,103 @@
             </a:pPr>
             <a:r>
               <a:rPr lang="ru-RU" dirty="0"/>
-              <a:t>Технологии:</a:t>
-            </a:r>
+              <a:t>Технологии</a:t>
+            </a:r>
+            <a:r>
+              <a:rPr lang="ru-RU" dirty="0" smtClean="0"/>
+              <a:t>:</a:t>
+            </a:r>
+            <a:endParaRPr lang="en-US" dirty="0" smtClean="0"/>
+          </a:p>
+          <a:p>
+            <a:pPr marL="0" indent="0">
+              <a:buNone/>
+            </a:pPr>
+            <a:r>
+              <a:rPr lang="ru-RU" dirty="0" smtClean="0"/>
+              <a:t>Библиотеки:</a:t>
+            </a:r>
+          </a:p>
+          <a:p>
+            <a:pPr marL="342900" indent="-342900">
+              <a:buFont typeface="+mj-lt"/>
+              <a:buAutoNum type="arabicPeriod"/>
+            </a:pPr>
+            <a:r>
+              <a:rPr lang="en-US" dirty="0" smtClean="0"/>
+              <a:t>Os</a:t>
+            </a:r>
+          </a:p>
+          <a:p>
+            <a:pPr marL="342900" indent="-342900">
+              <a:buFont typeface="+mj-lt"/>
+              <a:buAutoNum type="arabicPeriod"/>
+            </a:pPr>
+            <a:r>
+              <a:rPr lang="en-US" dirty="0" smtClean="0"/>
+              <a:t>Random</a:t>
+            </a:r>
+          </a:p>
+          <a:p>
+            <a:pPr marL="342900" indent="-342900">
+              <a:buFont typeface="+mj-lt"/>
+              <a:buAutoNum type="arabicPeriod"/>
+            </a:pPr>
+            <a:r>
+              <a:rPr lang="en-US" dirty="0" err="1" smtClean="0"/>
+              <a:t>Datetime</a:t>
+            </a:r>
+            <a:endParaRPr lang="en-US" dirty="0" smtClean="0"/>
+          </a:p>
+          <a:p>
+            <a:pPr marL="342900" indent="-342900">
+              <a:buFont typeface="+mj-lt"/>
+              <a:buAutoNum type="arabicPeriod"/>
+            </a:pPr>
+            <a:r>
+              <a:rPr lang="en-US" dirty="0" smtClean="0"/>
+              <a:t>Flask</a:t>
+            </a:r>
+          </a:p>
+          <a:p>
+            <a:pPr marL="342900" indent="-342900">
+              <a:buFont typeface="+mj-lt"/>
+              <a:buAutoNum type="arabicPeriod"/>
+            </a:pPr>
+            <a:r>
+              <a:rPr lang="en-US" dirty="0" err="1" smtClean="0"/>
+              <a:t>Flask_login</a:t>
+            </a:r>
+            <a:endParaRPr lang="en-US" dirty="0" smtClean="0"/>
+          </a:p>
+          <a:p>
+            <a:pPr marL="342900" indent="-342900">
+              <a:buFont typeface="+mj-lt"/>
+              <a:buAutoNum type="arabicPeriod"/>
+            </a:pPr>
+            <a:r>
+              <a:rPr lang="en-US" dirty="0" err="1" smtClean="0"/>
+              <a:t>SqlAlchemy</a:t>
+            </a:r>
+            <a:endParaRPr lang="en-US" dirty="0" smtClean="0"/>
+          </a:p>
+          <a:p>
+            <a:pPr marL="342900" indent="-342900">
+              <a:buFont typeface="+mj-lt"/>
+              <a:buAutoNum type="arabicPeriod"/>
+            </a:pPr>
+            <a:r>
+              <a:rPr lang="en-US" dirty="0" err="1" smtClean="0"/>
+              <a:t>Flask_restful</a:t>
+            </a:r>
+            <a:endParaRPr lang="ru-RU" dirty="0"/>
           </a:p>
         </p:txBody>
       </p:sp>
     </p:spTree>
     <p:extLst>
       <p:ext uri="{BB962C8B-B14F-4D97-AF65-F5344CB8AC3E}">
-        <p14:creationId xmlns:p14="http://schemas.microsoft.com/office/powerpoint/2010/main" val="2126031807"/>
+        <p14:creationId xmlns:p14="http://schemas.microsoft.com/office/powerpoint/2010/main" xmlns="" val="2126031807"/>
       </p:ext>
     </p:extLst>
   </p:cSld>
@@ -4644,7 +4356,7 @@
           <p:cNvPr id="2" name="Заголовок 1">
             <a:extLst>
               <a:ext uri="{FF2B5EF4-FFF2-40B4-BE49-F238E27FC236}">
-                <a16:creationId xmlns:a16="http://schemas.microsoft.com/office/drawing/2014/main" id="{36D1A59E-298C-4F79-87B6-FFA98CAB4AA2}"/>
+                <a16:creationId xmlns:a16="http://schemas.microsoft.com/office/drawing/2014/main" xmlns="" id="{36D1A59E-298C-4F79-87B6-FFA98CAB4AA2}"/>
               </a:ext>
             </a:extLst>
           </p:cNvPr>
@@ -4655,44 +4367,197 @@
             <p:ph type="title"/>
           </p:nvPr>
         </p:nvSpPr>
-        <p:spPr/>
-        <p:txBody>
-          <a:bodyPr/>
-          <a:lstStyle/>
-          <a:p>
-            <a:endParaRPr lang="ru-RU"/>
-          </a:p>
-        </p:txBody>
-      </p:sp>
-      <p:sp>
-        <p:nvSpPr>
-          <p:cNvPr id="3" name="Объект 2">
-            <a:extLst>
-              <a:ext uri="{FF2B5EF4-FFF2-40B4-BE49-F238E27FC236}">
-                <a16:creationId xmlns:a16="http://schemas.microsoft.com/office/drawing/2014/main" id="{CC2754CC-8FCF-4AAE-BA95-63759600AFE0}"/>
-              </a:ext>
-            </a:extLst>
-          </p:cNvPr>
-          <p:cNvSpPr>
-            <a:spLocks noGrp="1"/>
-          </p:cNvSpPr>
+        <p:spPr>
+          <a:xfrm>
+            <a:off x="1261872" y="262466"/>
+            <a:ext cx="8127661" cy="685801"/>
+          </a:xfrm>
+        </p:spPr>
+        <p:txBody>
+          <a:bodyPr>
+            <a:normAutofit fontScale="90000"/>
+          </a:bodyPr>
+          <a:lstStyle/>
+          <a:p>
+            <a:r>
+              <a:rPr lang="ru-RU" dirty="0" smtClean="0"/>
+              <a:t>Классы (Формы)</a:t>
+            </a:r>
+            <a:endParaRPr lang="ru-RU" dirty="0"/>
+          </a:p>
+        </p:txBody>
+      </p:sp>
+      <p:pic>
+        <p:nvPicPr>
+          <p:cNvPr id="1026" name="Picture 2"/>
+          <p:cNvPicPr>
+            <a:picLocks noGrp="1" noChangeAspect="1" noChangeArrowheads="1"/>
+          </p:cNvPicPr>
           <p:nvPr>
             <p:ph idx="1"/>
           </p:nvPr>
-        </p:nvSpPr>
-        <p:spPr/>
-        <p:txBody>
-          <a:bodyPr/>
-          <a:lstStyle/>
-          <a:p>
-            <a:endParaRPr lang="ru-RU"/>
-          </a:p>
-        </p:txBody>
-      </p:sp>
+        </p:nvPicPr>
+        <p:blipFill>
+          <a:blip r:embed="rId2"/>
+          <a:srcRect/>
+          <a:stretch>
+            <a:fillRect/>
+          </a:stretch>
+        </p:blipFill>
+        <p:spPr bwMode="auto">
+          <a:xfrm>
+            <a:off x="638346" y="988152"/>
+            <a:ext cx="5134692" cy="952633"/>
+          </a:xfrm>
+          <a:prstGeom prst="rect">
+            <a:avLst/>
+          </a:prstGeom>
+          <a:noFill/>
+          <a:ln w="9525">
+            <a:noFill/>
+            <a:miter lim="800000"/>
+            <a:headEnd/>
+            <a:tailEnd/>
+          </a:ln>
+          <a:effectLst/>
+        </p:spPr>
+      </p:pic>
+      <p:pic>
+        <p:nvPicPr>
+          <p:cNvPr id="1027" name="Picture 3"/>
+          <p:cNvPicPr>
+            <a:picLocks noChangeAspect="1" noChangeArrowheads="1"/>
+          </p:cNvPicPr>
+          <p:nvPr/>
+        </p:nvPicPr>
+        <p:blipFill>
+          <a:blip r:embed="rId3"/>
+          <a:srcRect/>
+          <a:stretch>
+            <a:fillRect/>
+          </a:stretch>
+        </p:blipFill>
+        <p:spPr bwMode="auto">
+          <a:xfrm>
+            <a:off x="635529" y="2039937"/>
+            <a:ext cx="6821487" cy="1000125"/>
+          </a:xfrm>
+          <a:prstGeom prst="rect">
+            <a:avLst/>
+          </a:prstGeom>
+          <a:noFill/>
+          <a:ln w="9525">
+            <a:noFill/>
+            <a:miter lim="800000"/>
+            <a:headEnd/>
+            <a:tailEnd/>
+          </a:ln>
+          <a:effectLst/>
+        </p:spPr>
+      </p:pic>
+      <p:pic>
+        <p:nvPicPr>
+          <p:cNvPr id="1028" name="Picture 4"/>
+          <p:cNvPicPr>
+            <a:picLocks noChangeAspect="1" noChangeArrowheads="1"/>
+          </p:cNvPicPr>
+          <p:nvPr/>
+        </p:nvPicPr>
+        <p:blipFill>
+          <a:blip r:embed="rId4"/>
+          <a:srcRect/>
+          <a:stretch>
+            <a:fillRect/>
+          </a:stretch>
+        </p:blipFill>
+        <p:spPr bwMode="auto">
+          <a:xfrm>
+            <a:off x="635000" y="3147483"/>
+            <a:ext cx="5181600" cy="952500"/>
+          </a:xfrm>
+          <a:prstGeom prst="rect">
+            <a:avLst/>
+          </a:prstGeom>
+          <a:noFill/>
+          <a:ln w="9525">
+            <a:noFill/>
+            <a:miter lim="800000"/>
+            <a:headEnd/>
+            <a:tailEnd/>
+          </a:ln>
+          <a:effectLst/>
+        </p:spPr>
+      </p:pic>
+      <p:pic>
+        <p:nvPicPr>
+          <p:cNvPr id="1029" name="Picture 5"/>
+          <p:cNvPicPr>
+            <a:picLocks noChangeAspect="1" noChangeArrowheads="1"/>
+          </p:cNvPicPr>
+          <p:nvPr/>
+        </p:nvPicPr>
+        <p:blipFill>
+          <a:blip r:embed="rId5"/>
+          <a:srcRect/>
+          <a:stretch>
+            <a:fillRect/>
+          </a:stretch>
+        </p:blipFill>
+        <p:spPr bwMode="auto">
+          <a:xfrm>
+            <a:off x="639763" y="4189413"/>
+            <a:ext cx="5172075" cy="1019175"/>
+          </a:xfrm>
+          <a:prstGeom prst="rect">
+            <a:avLst/>
+          </a:prstGeom>
+          <a:noFill/>
+          <a:ln w="9525">
+            <a:noFill/>
+            <a:miter lim="800000"/>
+            <a:headEnd/>
+            <a:tailEnd/>
+          </a:ln>
+          <a:effectLst/>
+        </p:spPr>
+      </p:pic>
+      <p:pic>
+        <p:nvPicPr>
+          <p:cNvPr id="1030" name="Picture 6"/>
+          <p:cNvPicPr>
+            <a:picLocks noChangeAspect="1" noChangeArrowheads="1"/>
+          </p:cNvPicPr>
+          <p:nvPr/>
+        </p:nvPicPr>
+        <p:blipFill>
+          <a:blip r:embed="rId6"/>
+          <a:srcRect/>
+          <a:stretch>
+            <a:fillRect/>
+          </a:stretch>
+        </p:blipFill>
+        <p:spPr bwMode="auto">
+          <a:xfrm>
+            <a:off x="653521" y="5286375"/>
+            <a:ext cx="6345237" cy="1419225"/>
+          </a:xfrm>
+          <a:prstGeom prst="rect">
+            <a:avLst/>
+          </a:prstGeom>
+          <a:noFill/>
+          <a:ln w="9525">
+            <a:noFill/>
+            <a:miter lim="800000"/>
+            <a:headEnd/>
+            <a:tailEnd/>
+          </a:ln>
+          <a:effectLst/>
+        </p:spPr>
+      </p:pic>
     </p:spTree>
     <p:extLst>
       <p:ext uri="{BB962C8B-B14F-4D97-AF65-F5344CB8AC3E}">
-        <p14:creationId xmlns:p14="http://schemas.microsoft.com/office/powerpoint/2010/main" val="83845075"/>
+        <p14:creationId xmlns:p14="http://schemas.microsoft.com/office/powerpoint/2010/main" xmlns="" val="83845075"/>
       </p:ext>
     </p:extLst>
   </p:cSld>
@@ -4724,7 +4589,7 @@
           <p:cNvPr id="2" name="Заголовок 1">
             <a:extLst>
               <a:ext uri="{FF2B5EF4-FFF2-40B4-BE49-F238E27FC236}">
-                <a16:creationId xmlns:a16="http://schemas.microsoft.com/office/drawing/2014/main" id="{9273F88B-F710-481B-AEBA-0C17A3D27D52}"/>
+                <a16:creationId xmlns:a16="http://schemas.microsoft.com/office/drawing/2014/main" xmlns="" id="{9273F88B-F710-481B-AEBA-0C17A3D27D52}"/>
               </a:ext>
             </a:extLst>
           </p:cNvPr>
@@ -4740,39 +4605,86 @@
           <a:bodyPr/>
           <a:lstStyle/>
           <a:p>
-            <a:endParaRPr lang="ru-RU"/>
-          </a:p>
-        </p:txBody>
-      </p:sp>
-      <p:sp>
-        <p:nvSpPr>
-          <p:cNvPr id="3" name="Объект 2">
-            <a:extLst>
-              <a:ext uri="{FF2B5EF4-FFF2-40B4-BE49-F238E27FC236}">
-                <a16:creationId xmlns:a16="http://schemas.microsoft.com/office/drawing/2014/main" id="{428AD6DC-C8D8-46D5-AAA0-D48E5E1365B7}"/>
-              </a:ext>
-            </a:extLst>
-          </p:cNvPr>
-          <p:cNvSpPr>
-            <a:spLocks noGrp="1"/>
-          </p:cNvSpPr>
+            <a:r>
+              <a:rPr lang="ru-RU" dirty="0" smtClean="0"/>
+              <a:t>Модели (Модель книги и жанра)</a:t>
+            </a:r>
+            <a:endParaRPr lang="ru-RU" dirty="0"/>
+          </a:p>
+        </p:txBody>
+      </p:sp>
+      <p:pic>
+        <p:nvPicPr>
+          <p:cNvPr id="2050" name="Picture 2"/>
+          <p:cNvPicPr>
+            <a:picLocks noGrp="1" noChangeAspect="1" noChangeArrowheads="1"/>
+          </p:cNvPicPr>
           <p:nvPr>
             <p:ph idx="1"/>
           </p:nvPr>
-        </p:nvSpPr>
-        <p:spPr/>
-        <p:txBody>
-          <a:bodyPr/>
-          <a:lstStyle/>
-          <a:p>
-            <a:endParaRPr lang="ru-RU"/>
-          </a:p>
-        </p:txBody>
-      </p:sp>
+        </p:nvPicPr>
+        <p:blipFill>
+          <a:blip r:embed="rId2"/>
+          <a:srcRect/>
+          <a:stretch>
+            <a:fillRect/>
+          </a:stretch>
+        </p:blipFill>
+        <p:spPr bwMode="auto">
+          <a:xfrm>
+            <a:off x="2143711" y="2018828"/>
+            <a:ext cx="6763694" cy="2972215"/>
+          </a:xfrm>
+          <a:prstGeom prst="rect">
+            <a:avLst/>
+          </a:prstGeom>
+          <a:noFill/>
+          <a:ln w="9525">
+            <a:noFill/>
+            <a:miter lim="800000"/>
+            <a:headEnd/>
+            <a:tailEnd/>
+          </a:ln>
+          <a:effectLst/>
+        </p:spPr>
+      </p:pic>
+      <p:pic>
+        <p:nvPicPr>
+          <p:cNvPr id="2051" name="Picture 3"/>
+          <p:cNvPicPr>
+            <a:picLocks noChangeAspect="1" noChangeArrowheads="1"/>
+          </p:cNvPicPr>
+          <p:nvPr/>
+        </p:nvPicPr>
+        <p:blipFill>
+          <a:blip r:embed="rId3"/>
+          <a:srcRect/>
+          <a:stretch>
+            <a:fillRect/>
+          </a:stretch>
+        </p:blipFill>
+        <p:spPr bwMode="auto">
+          <a:xfrm>
+            <a:off x="2323571" y="5053542"/>
+            <a:ext cx="6459537" cy="1238250"/>
+          </a:xfrm>
+          <a:prstGeom prst="rect">
+            <a:avLst/>
+          </a:prstGeom>
+          <a:noFill/>
+          <a:ln w="9525">
+            <a:noFill/>
+            <a:miter lim="800000"/>
+            <a:headEnd/>
+            <a:tailEnd/>
+          </a:ln>
+          <a:effectLst/>
+        </p:spPr>
+      </p:pic>
     </p:spTree>
     <p:extLst>
       <p:ext uri="{BB962C8B-B14F-4D97-AF65-F5344CB8AC3E}">
-        <p14:creationId xmlns:p14="http://schemas.microsoft.com/office/powerpoint/2010/main" val="2180056543"/>
+        <p14:creationId xmlns:p14="http://schemas.microsoft.com/office/powerpoint/2010/main" xmlns="" val="2180056543"/>
       </p:ext>
     </p:extLst>
   </p:cSld>
@@ -4804,7 +4716,7 @@
           <p:cNvPr id="2" name="Заголовок 1">
             <a:extLst>
               <a:ext uri="{FF2B5EF4-FFF2-40B4-BE49-F238E27FC236}">
-                <a16:creationId xmlns:a16="http://schemas.microsoft.com/office/drawing/2014/main" id="{2D5AE8E5-5DDB-4ED9-8B92-7B976F3D1C03}"/>
+                <a16:creationId xmlns:a16="http://schemas.microsoft.com/office/drawing/2014/main" xmlns="" id="{2D5AE8E5-5DDB-4ED9-8B92-7B976F3D1C03}"/>
               </a:ext>
             </a:extLst>
           </p:cNvPr>
@@ -4820,39 +4732,53 @@
           <a:bodyPr/>
           <a:lstStyle/>
           <a:p>
-            <a:endParaRPr lang="ru-RU"/>
-          </a:p>
-        </p:txBody>
-      </p:sp>
-      <p:sp>
-        <p:nvSpPr>
-          <p:cNvPr id="3" name="Объект 2">
-            <a:extLst>
-              <a:ext uri="{FF2B5EF4-FFF2-40B4-BE49-F238E27FC236}">
-                <a16:creationId xmlns:a16="http://schemas.microsoft.com/office/drawing/2014/main" id="{69448AB8-6D42-44EB-93BE-E93EACAE3BD6}"/>
-              </a:ext>
-            </a:extLst>
-          </p:cNvPr>
-          <p:cNvSpPr>
-            <a:spLocks noGrp="1"/>
-          </p:cNvSpPr>
+            <a:r>
+              <a:rPr lang="ru-RU" dirty="0" smtClean="0"/>
+              <a:t>Модель пользователя</a:t>
+            </a:r>
+            <a:endParaRPr lang="ru-RU" dirty="0"/>
+          </a:p>
+        </p:txBody>
+      </p:sp>
+      <p:pic>
+        <p:nvPicPr>
+          <p:cNvPr id="3074" name="Picture 2"/>
+          <p:cNvPicPr>
+            <a:picLocks noGrp="1" noChangeAspect="1" noChangeArrowheads="1"/>
+          </p:cNvPicPr>
           <p:nvPr>
             <p:ph idx="1"/>
           </p:nvPr>
-        </p:nvSpPr>
-        <p:spPr/>
-        <p:txBody>
-          <a:bodyPr/>
-          <a:lstStyle/>
-          <a:p>
-            <a:endParaRPr lang="ru-RU"/>
-          </a:p>
-        </p:txBody>
-      </p:sp>
+        </p:nvPicPr>
+        <p:blipFill>
+          <a:blip r:embed="rId2"/>
+          <a:srcRect/>
+          <a:stretch>
+            <a:fillRect/>
+          </a:stretch>
+        </p:blipFill>
+        <p:spPr bwMode="auto">
+          <a:xfrm>
+            <a:off x="2082315" y="2913704"/>
+            <a:ext cx="6954221" cy="2181530"/>
+          </a:xfrm>
+          <a:prstGeom prst="rect">
+            <a:avLst/>
+          </a:prstGeom>
+          <a:noFill/>
+          <a:ln w="9525">
+            <a:noFill/>
+            <a:miter lim="800000"/>
+            <a:headEnd/>
+            <a:tailEnd/>
+          </a:ln>
+          <a:effectLst/>
+        </p:spPr>
+      </p:pic>
     </p:spTree>
     <p:extLst>
       <p:ext uri="{BB962C8B-B14F-4D97-AF65-F5344CB8AC3E}">
-        <p14:creationId xmlns:p14="http://schemas.microsoft.com/office/powerpoint/2010/main" val="368459328"/>
+        <p14:creationId xmlns:p14="http://schemas.microsoft.com/office/powerpoint/2010/main" xmlns="" val="368459328"/>
       </p:ext>
     </p:extLst>
   </p:cSld>
@@ -4884,7 +4810,7 @@
           <p:cNvPr id="2" name="Заголовок 1">
             <a:extLst>
               <a:ext uri="{FF2B5EF4-FFF2-40B4-BE49-F238E27FC236}">
-                <a16:creationId xmlns:a16="http://schemas.microsoft.com/office/drawing/2014/main" id="{ABF3BDE5-A49E-4235-ABB6-8DE6322556F1}"/>
+                <a16:creationId xmlns:a16="http://schemas.microsoft.com/office/drawing/2014/main" xmlns="" id="{ABF3BDE5-A49E-4235-ABB6-8DE6322556F1}"/>
               </a:ext>
             </a:extLst>
           </p:cNvPr>
@@ -4900,7 +4826,11 @@
           <a:bodyPr/>
           <a:lstStyle/>
           <a:p>
-            <a:endParaRPr lang="ru-RU"/>
+            <a:r>
+              <a:rPr lang="ru-RU" dirty="0" smtClean="0"/>
+              <a:t>Функции</a:t>
+            </a:r>
+            <a:endParaRPr lang="ru-RU" dirty="0"/>
           </a:p>
         </p:txBody>
       </p:sp>
@@ -4909,7 +4839,7 @@
           <p:cNvPr id="3" name="Объект 2">
             <a:extLst>
               <a:ext uri="{FF2B5EF4-FFF2-40B4-BE49-F238E27FC236}">
-                <a16:creationId xmlns:a16="http://schemas.microsoft.com/office/drawing/2014/main" id="{F37554EB-CECB-46DA-AA63-49E5124FBFFE}"/>
+                <a16:creationId xmlns:a16="http://schemas.microsoft.com/office/drawing/2014/main" xmlns="" id="{F37554EB-CECB-46DA-AA63-49E5124FBFFE}"/>
               </a:ext>
             </a:extLst>
           </p:cNvPr>
@@ -4925,14 +4855,51 @@
           <a:bodyPr/>
           <a:lstStyle/>
           <a:p>
-            <a:endParaRPr lang="ru-RU"/>
-          </a:p>
-        </p:txBody>
-      </p:sp>
+            <a:r>
+              <a:rPr lang="ru-RU" dirty="0" smtClean="0"/>
+              <a:t>Добавление книги</a:t>
+            </a:r>
+            <a:endParaRPr lang="ru-RU" dirty="0"/>
+          </a:p>
+        </p:txBody>
+      </p:sp>
+      <p:pic>
+        <p:nvPicPr>
+          <p:cNvPr id="4099" name="Picture 3"/>
+          <p:cNvPicPr>
+            <a:picLocks noChangeAspect="1" noChangeArrowheads="1"/>
+          </p:cNvPicPr>
+          <p:nvPr/>
+        </p:nvPicPr>
+        <p:blipFill>
+          <a:blip r:embed="rId2"/>
+          <a:srcRect/>
+          <a:stretch>
+            <a:fillRect/>
+          </a:stretch>
+        </p:blipFill>
+        <p:spPr bwMode="auto">
+          <a:xfrm>
+            <a:off x="4748213" y="1919280"/>
+            <a:ext cx="5081588" cy="4626520"/>
+          </a:xfrm>
+          <a:prstGeom prst="rect">
+            <a:avLst/>
+          </a:prstGeom>
+          <a:noFill/>
+          <a:ln w="9525">
+            <a:noFill/>
+            <a:miter lim="800000"/>
+            <a:headEnd/>
+            <a:tailEnd/>
+          </a:ln>
+          <a:effectLst/>
+        </p:spPr>
+      </p:pic>
     </p:spTree>
     <p:extLst>
       <p:ext uri="{BB962C8B-B14F-4D97-AF65-F5344CB8AC3E}">
-        <p14:creationId xmlns:p14="http://schemas.microsoft.com/office/powerpoint/2010/main" val="1982399702"/>
+        <p14:creationId xmlns:p14="http://schemas.microsoft.com/office/powerpoint/2010/main" xmlns="" val="1982399702"/>
       </p:ext>
     </p:extLst>
   </p:cSld>
@@ -4964,7 +4931,7 @@
           <p:cNvPr id="2" name="Заголовок 1">
             <a:extLst>
               <a:ext uri="{FF2B5EF4-FFF2-40B4-BE49-F238E27FC236}">
-                <a16:creationId xmlns:a16="http://schemas.microsoft.com/office/drawing/2014/main" id="{B4FB8E05-896C-4858-AB19-174C41FA753E}"/>
+                <a16:creationId xmlns:a16="http://schemas.microsoft.com/office/drawing/2014/main" xmlns="" id="{ABF3BDE5-A49E-4235-ABB6-8DE6322556F1}"/>
               </a:ext>
             </a:extLst>
           </p:cNvPr>
@@ -4980,7 +4947,11 @@
           <a:bodyPr/>
           <a:lstStyle/>
           <a:p>
-            <a:endParaRPr lang="ru-RU"/>
+            <a:r>
+              <a:rPr lang="ru-RU" dirty="0" smtClean="0"/>
+              <a:t>Функции</a:t>
+            </a:r>
+            <a:endParaRPr lang="ru-RU" dirty="0"/>
           </a:p>
         </p:txBody>
       </p:sp>
@@ -4989,7 +4960,7 @@
           <p:cNvPr id="3" name="Объект 2">
             <a:extLst>
               <a:ext uri="{FF2B5EF4-FFF2-40B4-BE49-F238E27FC236}">
-                <a16:creationId xmlns:a16="http://schemas.microsoft.com/office/drawing/2014/main" id="{9FF803F2-A5BA-499E-A929-26E537349878}"/>
+                <a16:creationId xmlns:a16="http://schemas.microsoft.com/office/drawing/2014/main" xmlns="" id="{F37554EB-CECB-46DA-AA63-49E5124FBFFE}"/>
               </a:ext>
             </a:extLst>
           </p:cNvPr>
@@ -5005,14 +4976,51 @@
           <a:bodyPr/>
           <a:lstStyle/>
           <a:p>
-            <a:endParaRPr lang="ru-RU"/>
-          </a:p>
-        </p:txBody>
-      </p:sp>
+            <a:r>
+              <a:rPr lang="ru-RU" dirty="0" smtClean="0"/>
+              <a:t>Редактирование книги</a:t>
+            </a:r>
+            <a:endParaRPr lang="ru-RU" dirty="0"/>
+          </a:p>
+        </p:txBody>
+      </p:sp>
+      <p:pic>
+        <p:nvPicPr>
+          <p:cNvPr id="5122" name="Picture 2"/>
+          <p:cNvPicPr>
+            <a:picLocks noChangeAspect="1" noChangeArrowheads="1"/>
+          </p:cNvPicPr>
+          <p:nvPr/>
+        </p:nvPicPr>
+        <p:blipFill>
+          <a:blip r:embed="rId2"/>
+          <a:srcRect/>
+          <a:stretch>
+            <a:fillRect/>
+          </a:stretch>
+        </p:blipFill>
+        <p:spPr bwMode="auto">
+          <a:xfrm>
+            <a:off x="4909082" y="529673"/>
+            <a:ext cx="5657318" cy="5986508"/>
+          </a:xfrm>
+          <a:prstGeom prst="rect">
+            <a:avLst/>
+          </a:prstGeom>
+          <a:noFill/>
+          <a:ln w="9525">
+            <a:noFill/>
+            <a:miter lim="800000"/>
+            <a:headEnd/>
+            <a:tailEnd/>
+          </a:ln>
+          <a:effectLst/>
+        </p:spPr>
+      </p:pic>
     </p:spTree>
     <p:extLst>
       <p:ext uri="{BB962C8B-B14F-4D97-AF65-F5344CB8AC3E}">
-        <p14:creationId xmlns:p14="http://schemas.microsoft.com/office/powerpoint/2010/main" val="670113656"/>
+        <p14:creationId xmlns:p14="http://schemas.microsoft.com/office/powerpoint/2010/main" xmlns="" val="1982399702"/>
       </p:ext>
     </p:extLst>
   </p:cSld>
@@ -5044,7 +5052,7 @@
           <p:cNvPr id="2" name="Заголовок 1">
             <a:extLst>
               <a:ext uri="{FF2B5EF4-FFF2-40B4-BE49-F238E27FC236}">
-                <a16:creationId xmlns:a16="http://schemas.microsoft.com/office/drawing/2014/main" id="{F4276FBF-487E-4712-B2E1-5570EBCE849F}"/>
+                <a16:creationId xmlns:a16="http://schemas.microsoft.com/office/drawing/2014/main" xmlns="" id="{ABF3BDE5-A49E-4235-ABB6-8DE6322556F1}"/>
               </a:ext>
             </a:extLst>
           </p:cNvPr>
@@ -5060,7 +5068,11 @@
           <a:bodyPr/>
           <a:lstStyle/>
           <a:p>
-            <a:endParaRPr lang="ru-RU"/>
+            <a:r>
+              <a:rPr lang="ru-RU" dirty="0" smtClean="0"/>
+              <a:t>Функции</a:t>
+            </a:r>
+            <a:endParaRPr lang="ru-RU" dirty="0"/>
           </a:p>
         </p:txBody>
       </p:sp>
@@ -5069,7 +5081,7 @@
           <p:cNvPr id="3" name="Объект 2">
             <a:extLst>
               <a:ext uri="{FF2B5EF4-FFF2-40B4-BE49-F238E27FC236}">
-                <a16:creationId xmlns:a16="http://schemas.microsoft.com/office/drawing/2014/main" id="{83B99B62-57B8-4C2C-8A3A-9ACEA6FC9533}"/>
+                <a16:creationId xmlns:a16="http://schemas.microsoft.com/office/drawing/2014/main" xmlns="" id="{F37554EB-CECB-46DA-AA63-49E5124FBFFE}"/>
               </a:ext>
             </a:extLst>
           </p:cNvPr>
@@ -5085,14 +5097,55 @@
           <a:bodyPr/>
           <a:lstStyle/>
           <a:p>
-            <a:endParaRPr lang="ru-RU"/>
-          </a:p>
-        </p:txBody>
-      </p:sp>
+            <a:r>
+              <a:rPr lang="ru-RU" dirty="0" smtClean="0"/>
+              <a:t>Просмотр описания</a:t>
+            </a:r>
+            <a:r>
+              <a:rPr lang="ru-RU" dirty="0" smtClean="0"/>
+              <a:t> книги</a:t>
+            </a:r>
+            <a:endParaRPr lang="ru-RU" dirty="0"/>
+          </a:p>
+        </p:txBody>
+      </p:sp>
+      <p:pic>
+        <p:nvPicPr>
+          <p:cNvPr id="5" name="Picture 2"/>
+          <p:cNvPicPr>
+            <a:picLocks noChangeAspect="1" noChangeArrowheads="1"/>
+          </p:cNvPicPr>
+          <p:nvPr/>
+        </p:nvPicPr>
+        <p:blipFill>
+          <a:blip r:embed="rId2"/>
+          <a:srcRect/>
+          <a:stretch>
+            <a:fillRect/>
+          </a:stretch>
+        </p:blipFill>
+        <p:spPr bwMode="auto">
+          <a:xfrm>
+            <a:off x="1463675" y="2783417"/>
+            <a:ext cx="8450263" cy="2628900"/>
+          </a:xfrm>
+          <a:prstGeom prst="rect">
+            <a:avLst/>
+          </a:prstGeom>
+          <a:noFill/>
+          <a:ln w="9525">
+            <a:noFill/>
+            <a:miter lim="800000"/>
+            <a:headEnd/>
+            <a:tailEnd/>
+          </a:ln>
+          <a:effectLst/>
+        </p:spPr>
+      </p:pic>
     </p:spTree>
     <p:extLst>
       <p:ext uri="{BB962C8B-B14F-4D97-AF65-F5344CB8AC3E}">
-        <p14:creationId xmlns:p14="http://schemas.microsoft.com/office/powerpoint/2010/main" val="2367182526"/>
+        <p14:creationId xmlns:p14="http://schemas.microsoft.com/office/powerpoint/2010/main" xmlns="" val="1982399702"/>
       </p:ext>
     </p:extLst>
   </p:cSld>
@@ -5145,7 +5198,7 @@
     </a:clrScheme>
     <a:fontScheme name="Вид">
       <a:majorFont>
-        <a:latin typeface="Century Schoolbook" panose="02040604050505020304"/>
+        <a:latin typeface="Century Schoolbook"/>
         <a:ea typeface=""/>
         <a:cs typeface=""/>
         <a:font script="Jpan" typeface="ＭＳ ゴシック"/>
@@ -5180,7 +5233,7 @@
         <a:font script="Geor" typeface="Sylfaen"/>
       </a:majorFont>
       <a:minorFont>
-        <a:latin typeface="Century Schoolbook" panose="02040604050505020304"/>
+        <a:latin typeface="Century Schoolbook"/>
         <a:ea typeface=""/>
         <a:cs typeface=""/>
         <a:font script="Jpan" typeface="ＭＳ ゴシック"/>
@@ -5349,7 +5402,7 @@
   <a:extraClrSchemeLst/>
   <a:extLst>
     <a:ext uri="{05A4C25C-085E-4340-85A3-A5531E510DB2}">
-      <thm15:themeFamily xmlns:thm15="http://schemas.microsoft.com/office/thememl/2012/main" name="View" id="{BA0EB5A6-F2D4-4F82-977B-64ADEE4A2A69}" vid="{3969A8A2-35DB-4E3B-8885-16FD20568674}"/>
+      <thm15:themeFamily xmlns:thm15="http://schemas.microsoft.com/office/thememl/2012/main" xmlns="" name="View" id="{BA0EB5A6-F2D4-4F82-977B-64ADEE4A2A69}" vid="{3969A8A2-35DB-4E3B-8885-16FD20568674}"/>
     </a:ext>
   </a:extLst>
 </a:theme>
